--- a/AttendanceTracker/Veri doğrulama.pptx
+++ b/AttendanceTracker/Veri doğrulama.pptx
@@ -196,7 +196,7 @@
           <a:p>
             <a:fld id="{6FDAFDC2-AA23-4737-B598-22C63CCB6E55}" type="datetimeFigureOut">
               <a:rPr lang="tr-TR" smtClean="0"/>
-              <a:t>25.4.2015</a:t>
+              <a:t>2.5.2015</a:t>
             </a:fld>
             <a:endParaRPr lang="tr-TR"/>
           </a:p>
@@ -1181,11 +1181,7 @@
             </a:r>
             <a:r>
               <a:rPr lang="tr-TR" b="1" dirty="0" err="1" smtClean="0"/>
-              <a:t>DisplayName,</a:t>
-            </a:r>
-            <a:r>
-              <a:rPr lang="tr-TR" b="1" dirty="0" err="1" smtClean="0"/>
-              <a:t>ErrorMessage</a:t>
+              <a:t>DisplayName,ErrorMessage</a:t>
             </a:r>
             <a:r>
               <a:rPr lang="tr-TR" dirty="0" smtClean="0"/>
@@ -1730,7 +1726,7 @@
           <a:p>
             <a:fld id="{49149EC7-5F59-4850-9C30-5A7C2634EB99}" type="datetimeFigureOut">
               <a:rPr lang="tr-TR" smtClean="0"/>
-              <a:t>25.4.2015</a:t>
+              <a:t>2.5.2015</a:t>
             </a:fld>
             <a:endParaRPr lang="tr-TR"/>
           </a:p>
@@ -1900,7 +1896,7 @@
           <a:p>
             <a:fld id="{49149EC7-5F59-4850-9C30-5A7C2634EB99}" type="datetimeFigureOut">
               <a:rPr lang="tr-TR" smtClean="0"/>
-              <a:t>25.4.2015</a:t>
+              <a:t>2.5.2015</a:t>
             </a:fld>
             <a:endParaRPr lang="tr-TR"/>
           </a:p>
@@ -2080,7 +2076,7 @@
           <a:p>
             <a:fld id="{49149EC7-5F59-4850-9C30-5A7C2634EB99}" type="datetimeFigureOut">
               <a:rPr lang="tr-TR" smtClean="0"/>
-              <a:t>25.4.2015</a:t>
+              <a:t>2.5.2015</a:t>
             </a:fld>
             <a:endParaRPr lang="tr-TR"/>
           </a:p>
@@ -2250,7 +2246,7 @@
           <a:p>
             <a:fld id="{49149EC7-5F59-4850-9C30-5A7C2634EB99}" type="datetimeFigureOut">
               <a:rPr lang="tr-TR" smtClean="0"/>
-              <a:t>25.4.2015</a:t>
+              <a:t>2.5.2015</a:t>
             </a:fld>
             <a:endParaRPr lang="tr-TR"/>
           </a:p>
@@ -2496,7 +2492,7 @@
           <a:p>
             <a:fld id="{49149EC7-5F59-4850-9C30-5A7C2634EB99}" type="datetimeFigureOut">
               <a:rPr lang="tr-TR" smtClean="0"/>
-              <a:t>25.4.2015</a:t>
+              <a:t>2.5.2015</a:t>
             </a:fld>
             <a:endParaRPr lang="tr-TR"/>
           </a:p>
@@ -2784,7 +2780,7 @@
           <a:p>
             <a:fld id="{49149EC7-5F59-4850-9C30-5A7C2634EB99}" type="datetimeFigureOut">
               <a:rPr lang="tr-TR" smtClean="0"/>
-              <a:t>25.4.2015</a:t>
+              <a:t>2.5.2015</a:t>
             </a:fld>
             <a:endParaRPr lang="tr-TR"/>
           </a:p>
@@ -3206,7 +3202,7 @@
           <a:p>
             <a:fld id="{49149EC7-5F59-4850-9C30-5A7C2634EB99}" type="datetimeFigureOut">
               <a:rPr lang="tr-TR" smtClean="0"/>
-              <a:t>25.4.2015</a:t>
+              <a:t>2.5.2015</a:t>
             </a:fld>
             <a:endParaRPr lang="tr-TR"/>
           </a:p>
@@ -3324,7 +3320,7 @@
           <a:p>
             <a:fld id="{49149EC7-5F59-4850-9C30-5A7C2634EB99}" type="datetimeFigureOut">
               <a:rPr lang="tr-TR" smtClean="0"/>
-              <a:t>25.4.2015</a:t>
+              <a:t>2.5.2015</a:t>
             </a:fld>
             <a:endParaRPr lang="tr-TR"/>
           </a:p>
@@ -3419,7 +3415,7 @@
           <a:p>
             <a:fld id="{49149EC7-5F59-4850-9C30-5A7C2634EB99}" type="datetimeFigureOut">
               <a:rPr lang="tr-TR" smtClean="0"/>
-              <a:t>25.4.2015</a:t>
+              <a:t>2.5.2015</a:t>
             </a:fld>
             <a:endParaRPr lang="tr-TR"/>
           </a:p>
@@ -3696,7 +3692,7 @@
           <a:p>
             <a:fld id="{49149EC7-5F59-4850-9C30-5A7C2634EB99}" type="datetimeFigureOut">
               <a:rPr lang="tr-TR" smtClean="0"/>
-              <a:t>25.4.2015</a:t>
+              <a:t>2.5.2015</a:t>
             </a:fld>
             <a:endParaRPr lang="tr-TR"/>
           </a:p>
@@ -3949,7 +3945,7 @@
           <a:p>
             <a:fld id="{49149EC7-5F59-4850-9C30-5A7C2634EB99}" type="datetimeFigureOut">
               <a:rPr lang="tr-TR" smtClean="0"/>
-              <a:t>25.4.2015</a:t>
+              <a:t>2.5.2015</a:t>
             </a:fld>
             <a:endParaRPr lang="tr-TR"/>
           </a:p>
@@ -4162,7 +4158,7 @@
           <a:p>
             <a:fld id="{49149EC7-5F59-4850-9C30-5A7C2634EB99}" type="datetimeFigureOut">
               <a:rPr lang="tr-TR" smtClean="0"/>
-              <a:t>25.4.2015</a:t>
+              <a:t>2.5.2015</a:t>
             </a:fld>
             <a:endParaRPr lang="tr-TR"/>
           </a:p>
@@ -6532,14 +6528,7 @@
                 <a:latin typeface="Consolas" panose="020B0609020204030204" pitchFamily="49" charset="0"/>
                 <a:cs typeface="Consolas" panose="020B0609020204030204" pitchFamily="49" charset="0"/>
               </a:rPr>
-              <a:t> </a:t>
-            </a:r>
-            <a:r>
-              <a:rPr lang="tr-TR" sz="2000" dirty="0" smtClean="0">
-                <a:latin typeface="Consolas" panose="020B0609020204030204" pitchFamily="49" charset="0"/>
-                <a:cs typeface="Consolas" panose="020B0609020204030204" pitchFamily="49" charset="0"/>
-              </a:rPr>
-              <a:t>{</a:t>
+              <a:t> {</a:t>
             </a:r>
             <a:r>
               <a:rPr lang="tr-TR" sz="2000" dirty="0" err="1" smtClean="0">
@@ -6790,14 +6779,7 @@
                 <a:latin typeface="Consolas" panose="020B0609020204030204" pitchFamily="49" charset="0"/>
                 <a:cs typeface="Consolas" panose="020B0609020204030204" pitchFamily="49" charset="0"/>
               </a:rPr>
-              <a:t>,</a:t>
-            </a:r>
-            <a:r>
-              <a:rPr lang="tr-TR" sz="2000" dirty="0" smtClean="0">
-                <a:latin typeface="Consolas" panose="020B0609020204030204" pitchFamily="49" charset="0"/>
-                <a:cs typeface="Consolas" panose="020B0609020204030204" pitchFamily="49" charset="0"/>
-              </a:rPr>
-              <a:t> </a:t>
+              <a:t>, </a:t>
             </a:r>
             <a:r>
               <a:rPr lang="tr-TR" sz="2000" dirty="0" err="1" smtClean="0">
@@ -7043,14 +7025,7 @@
                 <a:latin typeface="Consolas" panose="020B0609020204030204" pitchFamily="49" charset="0"/>
                 <a:cs typeface="Consolas" panose="020B0609020204030204" pitchFamily="49" charset="0"/>
               </a:rPr>
-              <a:t> </a:t>
-            </a:r>
-            <a:r>
-              <a:rPr lang="tr-TR" sz="2000" dirty="0" smtClean="0">
-                <a:latin typeface="Consolas" panose="020B0609020204030204" pitchFamily="49" charset="0"/>
-                <a:cs typeface="Consolas" panose="020B0609020204030204" pitchFamily="49" charset="0"/>
-              </a:rPr>
-              <a:t>Mail</a:t>
+              <a:t> Mail</a:t>
             </a:r>
             <a:r>
               <a:rPr lang="tr-TR" sz="2000" dirty="0" smtClean="0">
@@ -7941,14 +7916,7 @@
                 <a:latin typeface="Consolas" panose="020B0609020204030204" pitchFamily="49" charset="0"/>
                 <a:cs typeface="Consolas" panose="020B0609020204030204" pitchFamily="49" charset="0"/>
               </a:rPr>
-              <a:t> Name </a:t>
-            </a:r>
-            <a:r>
-              <a:rPr lang="tr-TR" sz="2000" dirty="0" smtClean="0">
-                <a:latin typeface="Consolas" panose="020B0609020204030204" pitchFamily="49" charset="0"/>
-                <a:cs typeface="Consolas" panose="020B0609020204030204" pitchFamily="49" charset="0"/>
-              </a:rPr>
-              <a:t>{</a:t>
+              <a:t> Name {</a:t>
             </a:r>
             <a:r>
               <a:rPr lang="tr-TR" sz="2000" dirty="0" err="1" smtClean="0">
@@ -8228,14 +8196,7 @@
                 <a:latin typeface="Consolas" panose="020B0609020204030204" pitchFamily="49" charset="0"/>
                 <a:cs typeface="Consolas" panose="020B0609020204030204" pitchFamily="49" charset="0"/>
               </a:rPr>
-              <a:t>(</a:t>
-            </a:r>
-            <a:r>
-              <a:rPr lang="tr-TR" sz="2000" dirty="0" smtClean="0">
-                <a:latin typeface="Consolas" panose="020B0609020204030204" pitchFamily="49" charset="0"/>
-                <a:cs typeface="Consolas" panose="020B0609020204030204" pitchFamily="49" charset="0"/>
-              </a:rPr>
-              <a:t> </a:t>
+              <a:t>( </a:t>
             </a:r>
             <a:r>
               <a:rPr lang="tr-TR" sz="2000" dirty="0" err="1">
@@ -8585,14 +8546,7 @@
                 <a:latin typeface="Consolas" panose="020B0609020204030204" pitchFamily="49" charset="0"/>
                 <a:cs typeface="Consolas" panose="020B0609020204030204" pitchFamily="49" charset="0"/>
               </a:rPr>
-              <a:t> )</a:t>
-            </a:r>
-            <a:r>
-              <a:rPr lang="tr-TR" dirty="0" smtClean="0">
-                <a:latin typeface="Consolas" panose="020B0609020204030204" pitchFamily="49" charset="0"/>
-                <a:cs typeface="Consolas" panose="020B0609020204030204" pitchFamily="49" charset="0"/>
-              </a:rPr>
-              <a:t>]</a:t>
+              <a:t> )]</a:t>
             </a:r>
             <a:endParaRPr lang="tr-TR" dirty="0"/>
           </a:p>
